--- a/Analyst/dcouments/UI for stock trading.pptx
+++ b/Analyst/dcouments/UI for stock trading.pptx
@@ -3699,7 +3699,7 @@
         </p:nvSpPr>
         <p:spPr>
           <a:xfrm>
-            <a:off x="5236143" y="1282299"/>
+            <a:off x="9573122" y="1195671"/>
             <a:ext cx="1780676" cy="450248"/>
           </a:xfrm>
           <a:prstGeom prst="rect">

--- a/Analyst/dcouments/UI for stock trading.pptx
+++ b/Analyst/dcouments/UI for stock trading.pptx
@@ -3424,12 +3424,14 @@
         </p:nvSpPr>
         <p:spPr>
           <a:xfrm>
-            <a:off x="838200" y="95617"/>
-            <a:ext cx="10515600" cy="972787"/>
+            <a:off x="838198" y="274702"/>
+            <a:ext cx="10515600" cy="568526"/>
           </a:xfrm>
         </p:spPr>
         <p:txBody>
-          <a:bodyPr/>
+          <a:bodyPr>
+            <a:normAutofit fontScale="90000"/>
+          </a:bodyPr>
           <a:lstStyle/>
           <a:p>
             <a:pPr algn="ctr"/>
@@ -3454,8 +3456,8 @@
         </p:nvSpPr>
         <p:spPr>
           <a:xfrm>
-            <a:off x="731519" y="1282299"/>
-            <a:ext cx="1501541" cy="450248"/>
+            <a:off x="731519" y="1370477"/>
+            <a:ext cx="1501541" cy="362069"/>
           </a:xfrm>
           <a:prstGeom prst="rect">
             <a:avLst/>
@@ -3503,8 +3505,8 @@
         </p:nvSpPr>
         <p:spPr>
           <a:xfrm>
-            <a:off x="2829825" y="1275347"/>
-            <a:ext cx="1780676" cy="457200"/>
+            <a:off x="2829825" y="1343741"/>
+            <a:ext cx="1780676" cy="388806"/>
           </a:xfrm>
           <a:prstGeom prst="rect">
             <a:avLst/>
@@ -3552,7 +3554,7 @@
         </p:nvSpPr>
         <p:spPr>
           <a:xfrm>
-            <a:off x="731519" y="2223434"/>
+            <a:off x="731518" y="2935706"/>
             <a:ext cx="5364482" cy="1135781"/>
           </a:xfrm>
           <a:prstGeom prst="rect">
@@ -3601,8 +3603,8 @@
         </p:nvSpPr>
         <p:spPr>
           <a:xfrm>
-            <a:off x="731517" y="3742621"/>
-            <a:ext cx="10622281" cy="2552301"/>
+            <a:off x="731517" y="4572000"/>
+            <a:ext cx="10622281" cy="1944303"/>
           </a:xfrm>
           <a:prstGeom prst="rect">
             <a:avLst/>
@@ -3650,7 +3652,7 @@
         </p:nvSpPr>
         <p:spPr>
           <a:xfrm>
-            <a:off x="6641432" y="2223434"/>
+            <a:off x="6641432" y="2935705"/>
             <a:ext cx="4712366" cy="1135781"/>
           </a:xfrm>
           <a:prstGeom prst="rect">
@@ -3680,7 +3682,7 @@
             <a:pPr algn="ctr"/>
             <a:r>
               <a:rPr lang="en-IN" dirty="0"/>
-              <a:t>Technical Indicators</a:t>
+              <a:t>Technical Indicators And Signals</a:t>
             </a:r>
           </a:p>
         </p:txBody>
@@ -3699,8 +3701,8 @@
         </p:nvSpPr>
         <p:spPr>
           <a:xfrm>
-            <a:off x="9573122" y="1195671"/>
-            <a:ext cx="1780676" cy="450248"/>
+            <a:off x="9573122" y="1343740"/>
+            <a:ext cx="1780676" cy="362069"/>
           </a:xfrm>
           <a:prstGeom prst="rect">
             <a:avLst/>
@@ -3730,6 +3732,104 @@
             <a:r>
               <a:rPr lang="en-IN" dirty="0"/>
               <a:t>Date</a:t>
+            </a:r>
+          </a:p>
+        </p:txBody>
+      </p:sp>
+      <p:sp>
+        <p:nvSpPr>
+          <p:cNvPr id="7" name="Rectangle 6">
+            <a:extLst>
+              <a:ext uri="{FF2B5EF4-FFF2-40B4-BE49-F238E27FC236}">
+                <a16:creationId xmlns:a16="http://schemas.microsoft.com/office/drawing/2014/main" id="{C46F616F-0A70-4282-BFB2-84B231AB2747}"/>
+              </a:ext>
+            </a:extLst>
+          </p:cNvPr>
+          <p:cNvSpPr/>
+          <p:nvPr/>
+        </p:nvSpPr>
+        <p:spPr>
+          <a:xfrm>
+            <a:off x="731517" y="2242686"/>
+            <a:ext cx="1501541" cy="333140"/>
+          </a:xfrm>
+          <a:prstGeom prst="rect">
+            <a:avLst/>
+          </a:prstGeom>
+        </p:spPr>
+        <p:style>
+          <a:lnRef idx="2">
+            <a:schemeClr val="accent1">
+              <a:shade val="50000"/>
+            </a:schemeClr>
+          </a:lnRef>
+          <a:fillRef idx="1">
+            <a:schemeClr val="accent1"/>
+          </a:fillRef>
+          <a:effectRef idx="0">
+            <a:schemeClr val="accent1"/>
+          </a:effectRef>
+          <a:fontRef idx="minor">
+            <a:schemeClr val="lt1"/>
+          </a:fontRef>
+        </p:style>
+        <p:txBody>
+          <a:bodyPr rtlCol="0" anchor="ctr"/>
+          <a:lstStyle/>
+          <a:p>
+            <a:pPr algn="ctr"/>
+            <a:r>
+              <a:rPr lang="en-IN" dirty="0"/>
+              <a:t>PCR Signal</a:t>
+            </a:r>
+          </a:p>
+        </p:txBody>
+      </p:sp>
+      <p:sp>
+        <p:nvSpPr>
+          <p:cNvPr id="10" name="Rectangle 9">
+            <a:extLst>
+              <a:ext uri="{FF2B5EF4-FFF2-40B4-BE49-F238E27FC236}">
+                <a16:creationId xmlns:a16="http://schemas.microsoft.com/office/drawing/2014/main" id="{0972853D-A2AE-4428-BD57-DCB6FA500D91}"/>
+              </a:ext>
+            </a:extLst>
+          </p:cNvPr>
+          <p:cNvSpPr/>
+          <p:nvPr/>
+        </p:nvSpPr>
+        <p:spPr>
+          <a:xfrm>
+            <a:off x="9573120" y="2213756"/>
+            <a:ext cx="1780677" cy="362070"/>
+          </a:xfrm>
+          <a:prstGeom prst="rect">
+            <a:avLst/>
+          </a:prstGeom>
+        </p:spPr>
+        <p:style>
+          <a:lnRef idx="2">
+            <a:schemeClr val="accent1">
+              <a:shade val="50000"/>
+            </a:schemeClr>
+          </a:lnRef>
+          <a:fillRef idx="1">
+            <a:schemeClr val="accent1"/>
+          </a:fillRef>
+          <a:effectRef idx="0">
+            <a:schemeClr val="accent1"/>
+          </a:effectRef>
+          <a:fontRef idx="minor">
+            <a:schemeClr val="lt1"/>
+          </a:fontRef>
+        </p:style>
+        <p:txBody>
+          <a:bodyPr rtlCol="0" anchor="ctr"/>
+          <a:lstStyle/>
+          <a:p>
+            <a:pPr algn="ctr"/>
+            <a:r>
+              <a:rPr lang="en-IN" dirty="0"/>
+              <a:t>Max Pain</a:t>
             </a:r>
           </a:p>
         </p:txBody>

--- a/Analyst/dcouments/UI for stock trading.pptx
+++ b/Analyst/dcouments/UI for stock trading.pptx
@@ -262,7 +262,7 @@
           <a:p>
             <a:fld id="{E94A6C34-27AC-4C1E-9307-7C042F5D0572}" type="datetimeFigureOut">
               <a:rPr lang="en-IN" smtClean="0"/>
-              <a:t>21-09-2019</a:t>
+              <a:t>23-09-2019</a:t>
             </a:fld>
             <a:endParaRPr lang="en-IN"/>
           </a:p>
@@ -462,7 +462,7 @@
           <a:p>
             <a:fld id="{E94A6C34-27AC-4C1E-9307-7C042F5D0572}" type="datetimeFigureOut">
               <a:rPr lang="en-IN" smtClean="0"/>
-              <a:t>21-09-2019</a:t>
+              <a:t>23-09-2019</a:t>
             </a:fld>
             <a:endParaRPr lang="en-IN"/>
           </a:p>
@@ -672,7 +672,7 @@
           <a:p>
             <a:fld id="{E94A6C34-27AC-4C1E-9307-7C042F5D0572}" type="datetimeFigureOut">
               <a:rPr lang="en-IN" smtClean="0"/>
-              <a:t>21-09-2019</a:t>
+              <a:t>23-09-2019</a:t>
             </a:fld>
             <a:endParaRPr lang="en-IN"/>
           </a:p>
@@ -872,7 +872,7 @@
           <a:p>
             <a:fld id="{E94A6C34-27AC-4C1E-9307-7C042F5D0572}" type="datetimeFigureOut">
               <a:rPr lang="en-IN" smtClean="0"/>
-              <a:t>21-09-2019</a:t>
+              <a:t>23-09-2019</a:t>
             </a:fld>
             <a:endParaRPr lang="en-IN"/>
           </a:p>
@@ -1148,7 +1148,7 @@
           <a:p>
             <a:fld id="{E94A6C34-27AC-4C1E-9307-7C042F5D0572}" type="datetimeFigureOut">
               <a:rPr lang="en-IN" smtClean="0"/>
-              <a:t>21-09-2019</a:t>
+              <a:t>23-09-2019</a:t>
             </a:fld>
             <a:endParaRPr lang="en-IN"/>
           </a:p>
@@ -1416,7 +1416,7 @@
           <a:p>
             <a:fld id="{E94A6C34-27AC-4C1E-9307-7C042F5D0572}" type="datetimeFigureOut">
               <a:rPr lang="en-IN" smtClean="0"/>
-              <a:t>21-09-2019</a:t>
+              <a:t>23-09-2019</a:t>
             </a:fld>
             <a:endParaRPr lang="en-IN"/>
           </a:p>
@@ -1831,7 +1831,7 @@
           <a:p>
             <a:fld id="{E94A6C34-27AC-4C1E-9307-7C042F5D0572}" type="datetimeFigureOut">
               <a:rPr lang="en-IN" smtClean="0"/>
-              <a:t>21-09-2019</a:t>
+              <a:t>23-09-2019</a:t>
             </a:fld>
             <a:endParaRPr lang="en-IN"/>
           </a:p>
@@ -1973,7 +1973,7 @@
           <a:p>
             <a:fld id="{E94A6C34-27AC-4C1E-9307-7C042F5D0572}" type="datetimeFigureOut">
               <a:rPr lang="en-IN" smtClean="0"/>
-              <a:t>21-09-2019</a:t>
+              <a:t>23-09-2019</a:t>
             </a:fld>
             <a:endParaRPr lang="en-IN"/>
           </a:p>
@@ -2086,7 +2086,7 @@
           <a:p>
             <a:fld id="{E94A6C34-27AC-4C1E-9307-7C042F5D0572}" type="datetimeFigureOut">
               <a:rPr lang="en-IN" smtClean="0"/>
-              <a:t>21-09-2019</a:t>
+              <a:t>23-09-2019</a:t>
             </a:fld>
             <a:endParaRPr lang="en-IN"/>
           </a:p>
@@ -2399,7 +2399,7 @@
           <a:p>
             <a:fld id="{E94A6C34-27AC-4C1E-9307-7C042F5D0572}" type="datetimeFigureOut">
               <a:rPr lang="en-IN" smtClean="0"/>
-              <a:t>21-09-2019</a:t>
+              <a:t>23-09-2019</a:t>
             </a:fld>
             <a:endParaRPr lang="en-IN"/>
           </a:p>
@@ -2688,7 +2688,7 @@
           <a:p>
             <a:fld id="{E94A6C34-27AC-4C1E-9307-7C042F5D0572}" type="datetimeFigureOut">
               <a:rPr lang="en-IN" smtClean="0"/>
-              <a:t>21-09-2019</a:t>
+              <a:t>23-09-2019</a:t>
             </a:fld>
             <a:endParaRPr lang="en-IN"/>
           </a:p>
@@ -2931,7 +2931,7 @@
           <a:p>
             <a:fld id="{E94A6C34-27AC-4C1E-9307-7C042F5D0572}" type="datetimeFigureOut">
               <a:rPr lang="en-IN" smtClean="0"/>
-              <a:t>21-09-2019</a:t>
+              <a:t>23-09-2019</a:t>
             </a:fld>
             <a:endParaRPr lang="en-IN"/>
           </a:p>
@@ -3834,6 +3834,104 @@
           </a:p>
         </p:txBody>
       </p:sp>
+      <p:sp>
+        <p:nvSpPr>
+          <p:cNvPr id="12" name="Rectangle 11">
+            <a:extLst>
+              <a:ext uri="{FF2B5EF4-FFF2-40B4-BE49-F238E27FC236}">
+                <a16:creationId xmlns:a16="http://schemas.microsoft.com/office/drawing/2014/main" id="{9253C4D8-A5BC-4F24-8CC8-C16027464919}"/>
+              </a:ext>
+            </a:extLst>
+          </p:cNvPr>
+          <p:cNvSpPr/>
+          <p:nvPr/>
+        </p:nvSpPr>
+        <p:spPr>
+          <a:xfrm>
+            <a:off x="5152319" y="1343740"/>
+            <a:ext cx="1780676" cy="388806"/>
+          </a:xfrm>
+          <a:prstGeom prst="rect">
+            <a:avLst/>
+          </a:prstGeom>
+        </p:spPr>
+        <p:style>
+          <a:lnRef idx="2">
+            <a:schemeClr val="accent1">
+              <a:shade val="50000"/>
+            </a:schemeClr>
+          </a:lnRef>
+          <a:fillRef idx="1">
+            <a:schemeClr val="accent1"/>
+          </a:fillRef>
+          <a:effectRef idx="0">
+            <a:schemeClr val="accent1"/>
+          </a:effectRef>
+          <a:fontRef idx="minor">
+            <a:schemeClr val="lt1"/>
+          </a:fontRef>
+        </p:style>
+        <p:txBody>
+          <a:bodyPr rtlCol="0" anchor="ctr"/>
+          <a:lstStyle/>
+          <a:p>
+            <a:pPr algn="ctr"/>
+            <a:r>
+              <a:rPr lang="en-IN" dirty="0"/>
+              <a:t>Auto Refresh</a:t>
+            </a:r>
+          </a:p>
+        </p:txBody>
+      </p:sp>
+      <p:sp>
+        <p:nvSpPr>
+          <p:cNvPr id="14" name="Rectangle 13">
+            <a:extLst>
+              <a:ext uri="{FF2B5EF4-FFF2-40B4-BE49-F238E27FC236}">
+                <a16:creationId xmlns:a16="http://schemas.microsoft.com/office/drawing/2014/main" id="{AFD9F767-345E-4955-B5F5-3948915B5BD5}"/>
+              </a:ext>
+            </a:extLst>
+          </p:cNvPr>
+          <p:cNvSpPr/>
+          <p:nvPr/>
+        </p:nvSpPr>
+        <p:spPr>
+          <a:xfrm>
+            <a:off x="2662988" y="2242686"/>
+            <a:ext cx="1501541" cy="333140"/>
+          </a:xfrm>
+          <a:prstGeom prst="rect">
+            <a:avLst/>
+          </a:prstGeom>
+        </p:spPr>
+        <p:style>
+          <a:lnRef idx="2">
+            <a:schemeClr val="accent1">
+              <a:shade val="50000"/>
+            </a:schemeClr>
+          </a:lnRef>
+          <a:fillRef idx="1">
+            <a:schemeClr val="accent1"/>
+          </a:fillRef>
+          <a:effectRef idx="0">
+            <a:schemeClr val="accent1"/>
+          </a:effectRef>
+          <a:fontRef idx="minor">
+            <a:schemeClr val="lt1"/>
+          </a:fontRef>
+        </p:style>
+        <p:txBody>
+          <a:bodyPr rtlCol="0" anchor="ctr"/>
+          <a:lstStyle/>
+          <a:p>
+            <a:pPr algn="ctr"/>
+            <a:r>
+              <a:rPr lang="en-IN" dirty="0"/>
+              <a:t>PCR Value</a:t>
+            </a:r>
+          </a:p>
+        </p:txBody>
+      </p:sp>
     </p:spTree>
     <p:extLst>
       <p:ext uri="{BB962C8B-B14F-4D97-AF65-F5344CB8AC3E}">

--- a/Analyst/dcouments/UI for stock trading.pptx
+++ b/Analyst/dcouments/UI for stock trading.pptx
@@ -1,6 +1,6 @@
 
 <file path=ppt/presentation.xml><?xml version="1.0" encoding="utf-8"?>
-<p:presentation xmlns:a="http://schemas.openxmlformats.org/drawingml/2006/main" xmlns:r="http://schemas.openxmlformats.org/officeDocument/2006/relationships" xmlns:p="http://schemas.openxmlformats.org/presentationml/2006/main" saveSubsetFonts="1">
+<p:presentation xmlns:a="http://schemas.openxmlformats.org/drawingml/2006/main" xmlns:r="http://schemas.openxmlformats.org/officeDocument/2006/relationships" xmlns:p="http://schemas.openxmlformats.org/presentationml/2006/main" serverZoom="38432" saveSubsetFonts="1">
   <p:sldMasterIdLst>
     <p:sldMasterId id="2147483648" r:id="rId1"/>
   </p:sldMasterIdLst>
@@ -262,7 +262,7 @@
           <a:p>
             <a:fld id="{E94A6C34-27AC-4C1E-9307-7C042F5D0572}" type="datetimeFigureOut">
               <a:rPr lang="en-IN" smtClean="0"/>
-              <a:t>23-09-2019</a:t>
+              <a:t>24-09-2019</a:t>
             </a:fld>
             <a:endParaRPr lang="en-IN"/>
           </a:p>
@@ -462,7 +462,7 @@
           <a:p>
             <a:fld id="{E94A6C34-27AC-4C1E-9307-7C042F5D0572}" type="datetimeFigureOut">
               <a:rPr lang="en-IN" smtClean="0"/>
-              <a:t>23-09-2019</a:t>
+              <a:t>24-09-2019</a:t>
             </a:fld>
             <a:endParaRPr lang="en-IN"/>
           </a:p>
@@ -672,7 +672,7 @@
           <a:p>
             <a:fld id="{E94A6C34-27AC-4C1E-9307-7C042F5D0572}" type="datetimeFigureOut">
               <a:rPr lang="en-IN" smtClean="0"/>
-              <a:t>23-09-2019</a:t>
+              <a:t>24-09-2019</a:t>
             </a:fld>
             <a:endParaRPr lang="en-IN"/>
           </a:p>
@@ -872,7 +872,7 @@
           <a:p>
             <a:fld id="{E94A6C34-27AC-4C1E-9307-7C042F5D0572}" type="datetimeFigureOut">
               <a:rPr lang="en-IN" smtClean="0"/>
-              <a:t>23-09-2019</a:t>
+              <a:t>24-09-2019</a:t>
             </a:fld>
             <a:endParaRPr lang="en-IN"/>
           </a:p>
@@ -1148,7 +1148,7 @@
           <a:p>
             <a:fld id="{E94A6C34-27AC-4C1E-9307-7C042F5D0572}" type="datetimeFigureOut">
               <a:rPr lang="en-IN" smtClean="0"/>
-              <a:t>23-09-2019</a:t>
+              <a:t>24-09-2019</a:t>
             </a:fld>
             <a:endParaRPr lang="en-IN"/>
           </a:p>
@@ -1416,7 +1416,7 @@
           <a:p>
             <a:fld id="{E94A6C34-27AC-4C1E-9307-7C042F5D0572}" type="datetimeFigureOut">
               <a:rPr lang="en-IN" smtClean="0"/>
-              <a:t>23-09-2019</a:t>
+              <a:t>24-09-2019</a:t>
             </a:fld>
             <a:endParaRPr lang="en-IN"/>
           </a:p>
@@ -1831,7 +1831,7 @@
           <a:p>
             <a:fld id="{E94A6C34-27AC-4C1E-9307-7C042F5D0572}" type="datetimeFigureOut">
               <a:rPr lang="en-IN" smtClean="0"/>
-              <a:t>23-09-2019</a:t>
+              <a:t>24-09-2019</a:t>
             </a:fld>
             <a:endParaRPr lang="en-IN"/>
           </a:p>
@@ -1973,7 +1973,7 @@
           <a:p>
             <a:fld id="{E94A6C34-27AC-4C1E-9307-7C042F5D0572}" type="datetimeFigureOut">
               <a:rPr lang="en-IN" smtClean="0"/>
-              <a:t>23-09-2019</a:t>
+              <a:t>24-09-2019</a:t>
             </a:fld>
             <a:endParaRPr lang="en-IN"/>
           </a:p>
@@ -2086,7 +2086,7 @@
           <a:p>
             <a:fld id="{E94A6C34-27AC-4C1E-9307-7C042F5D0572}" type="datetimeFigureOut">
               <a:rPr lang="en-IN" smtClean="0"/>
-              <a:t>23-09-2019</a:t>
+              <a:t>24-09-2019</a:t>
             </a:fld>
             <a:endParaRPr lang="en-IN"/>
           </a:p>
@@ -2399,7 +2399,7 @@
           <a:p>
             <a:fld id="{E94A6C34-27AC-4C1E-9307-7C042F5D0572}" type="datetimeFigureOut">
               <a:rPr lang="en-IN" smtClean="0"/>
-              <a:t>23-09-2019</a:t>
+              <a:t>24-09-2019</a:t>
             </a:fld>
             <a:endParaRPr lang="en-IN"/>
           </a:p>
@@ -2688,7 +2688,7 @@
           <a:p>
             <a:fld id="{E94A6C34-27AC-4C1E-9307-7C042F5D0572}" type="datetimeFigureOut">
               <a:rPr lang="en-IN" smtClean="0"/>
-              <a:t>23-09-2019</a:t>
+              <a:t>24-09-2019</a:t>
             </a:fld>
             <a:endParaRPr lang="en-IN"/>
           </a:p>
@@ -2931,7 +2931,7 @@
           <a:p>
             <a:fld id="{E94A6C34-27AC-4C1E-9307-7C042F5D0572}" type="datetimeFigureOut">
               <a:rPr lang="en-IN" smtClean="0"/>
-              <a:t>23-09-2019</a:t>
+              <a:t>24-09-2019</a:t>
             </a:fld>
             <a:endParaRPr lang="en-IN"/>
           </a:p>

--- a/Analyst/dcouments/UI for stock trading.pptx
+++ b/Analyst/dcouments/UI for stock trading.pptx
@@ -262,7 +262,7 @@
           <a:p>
             <a:fld id="{E94A6C34-27AC-4C1E-9307-7C042F5D0572}" type="datetimeFigureOut">
               <a:rPr lang="en-IN" smtClean="0"/>
-              <a:t>24-09-2019</a:t>
+              <a:t>25-09-2019</a:t>
             </a:fld>
             <a:endParaRPr lang="en-IN"/>
           </a:p>
@@ -462,7 +462,7 @@
           <a:p>
             <a:fld id="{E94A6C34-27AC-4C1E-9307-7C042F5D0572}" type="datetimeFigureOut">
               <a:rPr lang="en-IN" smtClean="0"/>
-              <a:t>24-09-2019</a:t>
+              <a:t>25-09-2019</a:t>
             </a:fld>
             <a:endParaRPr lang="en-IN"/>
           </a:p>
@@ -672,7 +672,7 @@
           <a:p>
             <a:fld id="{E94A6C34-27AC-4C1E-9307-7C042F5D0572}" type="datetimeFigureOut">
               <a:rPr lang="en-IN" smtClean="0"/>
-              <a:t>24-09-2019</a:t>
+              <a:t>25-09-2019</a:t>
             </a:fld>
             <a:endParaRPr lang="en-IN"/>
           </a:p>
@@ -872,7 +872,7 @@
           <a:p>
             <a:fld id="{E94A6C34-27AC-4C1E-9307-7C042F5D0572}" type="datetimeFigureOut">
               <a:rPr lang="en-IN" smtClean="0"/>
-              <a:t>24-09-2019</a:t>
+              <a:t>25-09-2019</a:t>
             </a:fld>
             <a:endParaRPr lang="en-IN"/>
           </a:p>
@@ -1148,7 +1148,7 @@
           <a:p>
             <a:fld id="{E94A6C34-27AC-4C1E-9307-7C042F5D0572}" type="datetimeFigureOut">
               <a:rPr lang="en-IN" smtClean="0"/>
-              <a:t>24-09-2019</a:t>
+              <a:t>25-09-2019</a:t>
             </a:fld>
             <a:endParaRPr lang="en-IN"/>
           </a:p>
@@ -1416,7 +1416,7 @@
           <a:p>
             <a:fld id="{E94A6C34-27AC-4C1E-9307-7C042F5D0572}" type="datetimeFigureOut">
               <a:rPr lang="en-IN" smtClean="0"/>
-              <a:t>24-09-2019</a:t>
+              <a:t>25-09-2019</a:t>
             </a:fld>
             <a:endParaRPr lang="en-IN"/>
           </a:p>
@@ -1831,7 +1831,7 @@
           <a:p>
             <a:fld id="{E94A6C34-27AC-4C1E-9307-7C042F5D0572}" type="datetimeFigureOut">
               <a:rPr lang="en-IN" smtClean="0"/>
-              <a:t>24-09-2019</a:t>
+              <a:t>25-09-2019</a:t>
             </a:fld>
             <a:endParaRPr lang="en-IN"/>
           </a:p>
@@ -1973,7 +1973,7 @@
           <a:p>
             <a:fld id="{E94A6C34-27AC-4C1E-9307-7C042F5D0572}" type="datetimeFigureOut">
               <a:rPr lang="en-IN" smtClean="0"/>
-              <a:t>24-09-2019</a:t>
+              <a:t>25-09-2019</a:t>
             </a:fld>
             <a:endParaRPr lang="en-IN"/>
           </a:p>
@@ -2086,7 +2086,7 @@
           <a:p>
             <a:fld id="{E94A6C34-27AC-4C1E-9307-7C042F5D0572}" type="datetimeFigureOut">
               <a:rPr lang="en-IN" smtClean="0"/>
-              <a:t>24-09-2019</a:t>
+              <a:t>25-09-2019</a:t>
             </a:fld>
             <a:endParaRPr lang="en-IN"/>
           </a:p>
@@ -2399,7 +2399,7 @@
           <a:p>
             <a:fld id="{E94A6C34-27AC-4C1E-9307-7C042F5D0572}" type="datetimeFigureOut">
               <a:rPr lang="en-IN" smtClean="0"/>
-              <a:t>24-09-2019</a:t>
+              <a:t>25-09-2019</a:t>
             </a:fld>
             <a:endParaRPr lang="en-IN"/>
           </a:p>
@@ -2688,7 +2688,7 @@
           <a:p>
             <a:fld id="{E94A6C34-27AC-4C1E-9307-7C042F5D0572}" type="datetimeFigureOut">
               <a:rPr lang="en-IN" smtClean="0"/>
-              <a:t>24-09-2019</a:t>
+              <a:t>25-09-2019</a:t>
             </a:fld>
             <a:endParaRPr lang="en-IN"/>
           </a:p>
@@ -2931,7 +2931,7 @@
           <a:p>
             <a:fld id="{E94A6C34-27AC-4C1E-9307-7C042F5D0572}" type="datetimeFigureOut">
               <a:rPr lang="en-IN" smtClean="0"/>
-              <a:t>24-09-2019</a:t>
+              <a:t>25-09-2019</a:t>
             </a:fld>
             <a:endParaRPr lang="en-IN"/>
           </a:p>
@@ -3932,6 +3932,55 @@
           </a:p>
         </p:txBody>
       </p:sp>
+      <p:sp>
+        <p:nvSpPr>
+          <p:cNvPr id="11" name="Rectangle 10">
+            <a:extLst>
+              <a:ext uri="{FF2B5EF4-FFF2-40B4-BE49-F238E27FC236}">
+                <a16:creationId xmlns:a16="http://schemas.microsoft.com/office/drawing/2014/main" id="{03A03FA5-452E-4AD9-B5EA-1B365AA63808}"/>
+              </a:ext>
+            </a:extLst>
+          </p:cNvPr>
+          <p:cNvSpPr/>
+          <p:nvPr/>
+        </p:nvSpPr>
+        <p:spPr>
+          <a:xfrm>
+            <a:off x="7496074" y="2228220"/>
+            <a:ext cx="1501541" cy="362069"/>
+          </a:xfrm>
+          <a:prstGeom prst="rect">
+            <a:avLst/>
+          </a:prstGeom>
+        </p:spPr>
+        <p:style>
+          <a:lnRef idx="2">
+            <a:schemeClr val="accent1">
+              <a:shade val="50000"/>
+            </a:schemeClr>
+          </a:lnRef>
+          <a:fillRef idx="1">
+            <a:schemeClr val="accent1"/>
+          </a:fillRef>
+          <a:effectRef idx="0">
+            <a:schemeClr val="accent1"/>
+          </a:effectRef>
+          <a:fontRef idx="minor">
+            <a:schemeClr val="lt1"/>
+          </a:fontRef>
+        </p:style>
+        <p:txBody>
+          <a:bodyPr rtlCol="0" anchor="ctr"/>
+          <a:lstStyle/>
+          <a:p>
+            <a:pPr algn="ctr"/>
+            <a:r>
+              <a:rPr lang="en-IN" dirty="0"/>
+              <a:t>Spot Value</a:t>
+            </a:r>
+          </a:p>
+        </p:txBody>
+      </p:sp>
     </p:spTree>
     <p:extLst>
       <p:ext uri="{BB962C8B-B14F-4D97-AF65-F5344CB8AC3E}">
